--- a/slides/block9.pptx
+++ b/slides/block9.pptx
@@ -202,7 +202,7 @@
           <a:p>
             <a:fld id="{3F5DAF9C-BFBB-7344-81B1-BA27AD60250B}" type="datetimeFigureOut">
               <a:rPr lang="en-KW" smtClean="0"/>
-              <a:t>12/10/2025</a:t>
+              <a:t>13/10/2025</a:t>
             </a:fld>
             <a:endParaRPr lang="en-KW"/>
           </a:p>
@@ -619,7 +619,7 @@
           <a:p>
             <a:fld id="{AB78BAB4-45D1-EE48-BF00-BF3F291908FD}" type="datetimeFigureOut">
               <a:rPr lang="en-KW" smtClean="0"/>
-              <a:t>12/10/2025</a:t>
+              <a:t>13/10/2025</a:t>
             </a:fld>
             <a:endParaRPr lang="en-KW"/>
           </a:p>
@@ -819,7 +819,7 @@
           <a:p>
             <a:fld id="{AB78BAB4-45D1-EE48-BF00-BF3F291908FD}" type="datetimeFigureOut">
               <a:rPr lang="en-KW" smtClean="0"/>
-              <a:t>12/10/2025</a:t>
+              <a:t>13/10/2025</a:t>
             </a:fld>
             <a:endParaRPr lang="en-KW"/>
           </a:p>
@@ -1029,7 +1029,7 @@
           <a:p>
             <a:fld id="{AB78BAB4-45D1-EE48-BF00-BF3F291908FD}" type="datetimeFigureOut">
               <a:rPr lang="en-KW" smtClean="0"/>
-              <a:t>12/10/2025</a:t>
+              <a:t>13/10/2025</a:t>
             </a:fld>
             <a:endParaRPr lang="en-KW"/>
           </a:p>
@@ -1252,7 +1252,7 @@
           <a:p>
             <a:fld id="{AB78BAB4-45D1-EE48-BF00-BF3F291908FD}" type="datetimeFigureOut">
               <a:rPr lang="en-KW" smtClean="0"/>
-              <a:t>12/10/2025</a:t>
+              <a:t>13/10/2025</a:t>
             </a:fld>
             <a:endParaRPr lang="en-KW"/>
           </a:p>
@@ -1528,7 +1528,7 @@
           <a:p>
             <a:fld id="{AB78BAB4-45D1-EE48-BF00-BF3F291908FD}" type="datetimeFigureOut">
               <a:rPr lang="en-KW" smtClean="0"/>
-              <a:t>12/10/2025</a:t>
+              <a:t>13/10/2025</a:t>
             </a:fld>
             <a:endParaRPr lang="en-KW"/>
           </a:p>
@@ -1840,7 +1840,7 @@
           <a:p>
             <a:fld id="{AB78BAB4-45D1-EE48-BF00-BF3F291908FD}" type="datetimeFigureOut">
               <a:rPr lang="en-KW" smtClean="0"/>
-              <a:t>12/10/2025</a:t>
+              <a:t>13/10/2025</a:t>
             </a:fld>
             <a:endParaRPr lang="en-KW"/>
           </a:p>
@@ -2271,7 +2271,7 @@
           <a:p>
             <a:fld id="{AB78BAB4-45D1-EE48-BF00-BF3F291908FD}" type="datetimeFigureOut">
               <a:rPr lang="en-KW" smtClean="0"/>
-              <a:t>12/10/2025</a:t>
+              <a:t>13/10/2025</a:t>
             </a:fld>
             <a:endParaRPr lang="en-KW"/>
           </a:p>
@@ -2413,7 +2413,7 @@
           <a:p>
             <a:fld id="{AB78BAB4-45D1-EE48-BF00-BF3F291908FD}" type="datetimeFigureOut">
               <a:rPr lang="en-KW" smtClean="0"/>
-              <a:t>12/10/2025</a:t>
+              <a:t>13/10/2025</a:t>
             </a:fld>
             <a:endParaRPr lang="en-KW"/>
           </a:p>
@@ -2526,7 +2526,7 @@
           <a:p>
             <a:fld id="{AB78BAB4-45D1-EE48-BF00-BF3F291908FD}" type="datetimeFigureOut">
               <a:rPr lang="en-KW" smtClean="0"/>
-              <a:t>12/10/2025</a:t>
+              <a:t>13/10/2025</a:t>
             </a:fld>
             <a:endParaRPr lang="en-KW"/>
           </a:p>
@@ -2839,7 +2839,7 @@
           <a:p>
             <a:fld id="{AB78BAB4-45D1-EE48-BF00-BF3F291908FD}" type="datetimeFigureOut">
               <a:rPr lang="en-KW" smtClean="0"/>
-              <a:t>12/10/2025</a:t>
+              <a:t>13/10/2025</a:t>
             </a:fld>
             <a:endParaRPr lang="en-KW"/>
           </a:p>
@@ -3128,7 +3128,7 @@
           <a:p>
             <a:fld id="{AB78BAB4-45D1-EE48-BF00-BF3F291908FD}" type="datetimeFigureOut">
               <a:rPr lang="en-KW" smtClean="0"/>
-              <a:t>12/10/2025</a:t>
+              <a:t>13/10/2025</a:t>
             </a:fld>
             <a:endParaRPr lang="en-KW"/>
           </a:p>
@@ -3371,7 +3371,7 @@
           <a:p>
             <a:fld id="{AB78BAB4-45D1-EE48-BF00-BF3F291908FD}" type="datetimeFigureOut">
               <a:rPr lang="en-KW" smtClean="0"/>
-              <a:t>12/10/2025</a:t>
+              <a:t>13/10/2025</a:t>
             </a:fld>
             <a:endParaRPr lang="en-KW"/>
           </a:p>
@@ -3811,7 +3811,7 @@
           <a:p>
             <a:r>
               <a:rPr lang="en-KW" dirty="0"/>
-              <a:t>Block 9: Linear Binary Classification</a:t>
+              <a:t>Block 9: Logistic Regression</a:t>
             </a:r>
           </a:p>
         </p:txBody>
@@ -4479,7 +4479,7 @@
                       <m:d>
                         <m:dPr>
                           <m:ctrlPr>
-                            <a:rPr lang="en-US" b="0" i="0" smtClean="0">
+                            <a:rPr lang="en-US" b="0" i="1" smtClean="0">
                               <a:solidFill>
                                 <a:srgbClr val="7030A0"/>
                               </a:solidFill>
@@ -4692,7 +4692,7 @@
                       <a:srgbClr val="00B0F0"/>
                     </a:solidFill>
                   </a:rPr>
-                  <a:t>Linear binary classifier:</a:t>
+                  <a:t>Logitic Regression:</a:t>
                 </a:r>
               </a:p>
               <a:p>
@@ -4993,7 +4993,7 @@
               <a:blipFill>
                 <a:blip r:embed="rId2"/>
                 <a:stretch>
-                  <a:fillRect l="-2058" t="-3198" r="-1852" b="-1744"/>
+                  <a:fillRect l="-2058" t="-3198" r="-2058"/>
                 </a:stretch>
               </a:blipFill>
             </p:spPr>
@@ -5106,8 +5106,8 @@
           </a:p>
         </p:txBody>
       </p:sp>
-      <mc:AlternateContent xmlns:mc="http://schemas.openxmlformats.org/markup-compatibility/2006">
-        <mc:Choice xmlns:a14="http://schemas.microsoft.com/office/drawing/2010/main" Requires="a14">
+      <mc:AlternateContent xmlns:mc="http://schemas.openxmlformats.org/markup-compatibility/2006" xmlns:a14="http://schemas.microsoft.com/office/drawing/2010/main">
+        <mc:Choice Requires="a14">
           <p:sp>
             <p:nvSpPr>
               <p:cNvPr id="3" name="Content Placeholder 2">
@@ -6471,7 +6471,7 @@
             </p:txBody>
           </p:sp>
         </mc:Choice>
-        <mc:Fallback>
+        <mc:Fallback xmlns="">
           <p:sp>
             <p:nvSpPr>
               <p:cNvPr id="3" name="Content Placeholder 2">
@@ -6517,10 +6517,10 @@
       </mc:AlternateContent>
       <p:pic>
         <p:nvPicPr>
-          <p:cNvPr id="5" name="Graphic 4">
-            <a:extLst>
-              <a:ext uri="{FF2B5EF4-FFF2-40B4-BE49-F238E27FC236}">
-                <a16:creationId xmlns:a16="http://schemas.microsoft.com/office/drawing/2014/main" id="{11B8E206-7392-2D80-E575-D8CBCCDBB53C}"/>
+          <p:cNvPr id="6" name="Graphic 5">
+            <a:extLst>
+              <a:ext uri="{FF2B5EF4-FFF2-40B4-BE49-F238E27FC236}">
+                <a16:creationId xmlns:a16="http://schemas.microsoft.com/office/drawing/2014/main" id="{6B7D2E16-2FA5-F7A9-B4FA-DC4E350F305B}"/>
               </a:ext>
             </a:extLst>
           </p:cNvPr>
@@ -6543,7 +6543,7 @@
         </p:blipFill>
         <p:spPr>
           <a:xfrm>
-            <a:off x="838200" y="1825625"/>
+            <a:off x="838200" y="1973263"/>
             <a:ext cx="4165600" cy="4203700"/>
           </a:xfrm>
           <a:prstGeom prst="rect">

--- a/slides/block9.pptx
+++ b/slides/block9.pptx
@@ -5,7 +5,7 @@
     <p:sldMasterId id="2147483648" r:id="rId1"/>
   </p:sldMasterIdLst>
   <p:notesMasterIdLst>
-    <p:notesMasterId r:id="rId8"/>
+    <p:notesMasterId r:id="rId12"/>
   </p:notesMasterIdLst>
   <p:sldIdLst>
     <p:sldId id="256" r:id="rId2"/>
@@ -13,7 +13,11 @@
     <p:sldId id="293" r:id="rId4"/>
     <p:sldId id="294" r:id="rId5"/>
     <p:sldId id="296" r:id="rId6"/>
-    <p:sldId id="291" r:id="rId7"/>
+    <p:sldId id="297" r:id="rId7"/>
+    <p:sldId id="298" r:id="rId8"/>
+    <p:sldId id="299" r:id="rId9"/>
+    <p:sldId id="300" r:id="rId10"/>
+    <p:sldId id="291" r:id="rId11"/>
   </p:sldIdLst>
   <p:sldSz cx="12192000" cy="6858000"/>
   <p:notesSz cx="6858000" cy="9144000"/>
@@ -202,7 +206,7 @@
           <a:p>
             <a:fld id="{3F5DAF9C-BFBB-7344-81B1-BA27AD60250B}" type="datetimeFigureOut">
               <a:rPr lang="en-KW" smtClean="0"/>
-              <a:t>13/10/2025</a:t>
+              <a:t>21/10/2025</a:t>
             </a:fld>
             <a:endParaRPr lang="en-KW"/>
           </a:p>
@@ -619,7 +623,7 @@
           <a:p>
             <a:fld id="{AB78BAB4-45D1-EE48-BF00-BF3F291908FD}" type="datetimeFigureOut">
               <a:rPr lang="en-KW" smtClean="0"/>
-              <a:t>13/10/2025</a:t>
+              <a:t>21/10/2025</a:t>
             </a:fld>
             <a:endParaRPr lang="en-KW"/>
           </a:p>
@@ -819,7 +823,7 @@
           <a:p>
             <a:fld id="{AB78BAB4-45D1-EE48-BF00-BF3F291908FD}" type="datetimeFigureOut">
               <a:rPr lang="en-KW" smtClean="0"/>
-              <a:t>13/10/2025</a:t>
+              <a:t>21/10/2025</a:t>
             </a:fld>
             <a:endParaRPr lang="en-KW"/>
           </a:p>
@@ -1029,7 +1033,7 @@
           <a:p>
             <a:fld id="{AB78BAB4-45D1-EE48-BF00-BF3F291908FD}" type="datetimeFigureOut">
               <a:rPr lang="en-KW" smtClean="0"/>
-              <a:t>13/10/2025</a:t>
+              <a:t>21/10/2025</a:t>
             </a:fld>
             <a:endParaRPr lang="en-KW"/>
           </a:p>
@@ -1252,7 +1256,7 @@
           <a:p>
             <a:fld id="{AB78BAB4-45D1-EE48-BF00-BF3F291908FD}" type="datetimeFigureOut">
               <a:rPr lang="en-KW" smtClean="0"/>
-              <a:t>13/10/2025</a:t>
+              <a:t>21/10/2025</a:t>
             </a:fld>
             <a:endParaRPr lang="en-KW"/>
           </a:p>
@@ -1528,7 +1532,7 @@
           <a:p>
             <a:fld id="{AB78BAB4-45D1-EE48-BF00-BF3F291908FD}" type="datetimeFigureOut">
               <a:rPr lang="en-KW" smtClean="0"/>
-              <a:t>13/10/2025</a:t>
+              <a:t>21/10/2025</a:t>
             </a:fld>
             <a:endParaRPr lang="en-KW"/>
           </a:p>
@@ -1840,7 +1844,7 @@
           <a:p>
             <a:fld id="{AB78BAB4-45D1-EE48-BF00-BF3F291908FD}" type="datetimeFigureOut">
               <a:rPr lang="en-KW" smtClean="0"/>
-              <a:t>13/10/2025</a:t>
+              <a:t>21/10/2025</a:t>
             </a:fld>
             <a:endParaRPr lang="en-KW"/>
           </a:p>
@@ -2271,7 +2275,7 @@
           <a:p>
             <a:fld id="{AB78BAB4-45D1-EE48-BF00-BF3F291908FD}" type="datetimeFigureOut">
               <a:rPr lang="en-KW" smtClean="0"/>
-              <a:t>13/10/2025</a:t>
+              <a:t>21/10/2025</a:t>
             </a:fld>
             <a:endParaRPr lang="en-KW"/>
           </a:p>
@@ -2413,7 +2417,7 @@
           <a:p>
             <a:fld id="{AB78BAB4-45D1-EE48-BF00-BF3F291908FD}" type="datetimeFigureOut">
               <a:rPr lang="en-KW" smtClean="0"/>
-              <a:t>13/10/2025</a:t>
+              <a:t>21/10/2025</a:t>
             </a:fld>
             <a:endParaRPr lang="en-KW"/>
           </a:p>
@@ -2526,7 +2530,7 @@
           <a:p>
             <a:fld id="{AB78BAB4-45D1-EE48-BF00-BF3F291908FD}" type="datetimeFigureOut">
               <a:rPr lang="en-KW" smtClean="0"/>
-              <a:t>13/10/2025</a:t>
+              <a:t>21/10/2025</a:t>
             </a:fld>
             <a:endParaRPr lang="en-KW"/>
           </a:p>
@@ -2839,7 +2843,7 @@
           <a:p>
             <a:fld id="{AB78BAB4-45D1-EE48-BF00-BF3F291908FD}" type="datetimeFigureOut">
               <a:rPr lang="en-KW" smtClean="0"/>
-              <a:t>13/10/2025</a:t>
+              <a:t>21/10/2025</a:t>
             </a:fld>
             <a:endParaRPr lang="en-KW"/>
           </a:p>
@@ -3128,7 +3132,7 @@
           <a:p>
             <a:fld id="{AB78BAB4-45D1-EE48-BF00-BF3F291908FD}" type="datetimeFigureOut">
               <a:rPr lang="en-KW" smtClean="0"/>
-              <a:t>13/10/2025</a:t>
+              <a:t>21/10/2025</a:t>
             </a:fld>
             <a:endParaRPr lang="en-KW"/>
           </a:p>
@@ -3371,7 +3375,7 @@
           <a:p>
             <a:fld id="{AB78BAB4-45D1-EE48-BF00-BF3F291908FD}" type="datetimeFigureOut">
               <a:rPr lang="en-KW" smtClean="0"/>
-              <a:t>13/10/2025</a:t>
+              <a:t>21/10/2025</a:t>
             </a:fld>
             <a:endParaRPr lang="en-KW"/>
           </a:p>
@@ -3863,6 +3867,104 @@
 </p:sld>
 </file>
 
+<file path=ppt/slides/slide10.xml><?xml version="1.0" encoding="utf-8"?>
+<p:sld xmlns:a="http://schemas.openxmlformats.org/drawingml/2006/main" xmlns:r="http://schemas.openxmlformats.org/officeDocument/2006/relationships" xmlns:p="http://schemas.openxmlformats.org/presentationml/2006/main">
+  <p:cSld>
+    <p:spTree>
+      <p:nvGrpSpPr>
+        <p:cNvPr id="1" name=""/>
+        <p:cNvGrpSpPr/>
+        <p:nvPr/>
+      </p:nvGrpSpPr>
+      <p:grpSpPr>
+        <a:xfrm>
+          <a:off x="0" y="0"/>
+          <a:ext cx="0" cy="0"/>
+          <a:chOff x="0" y="0"/>
+          <a:chExt cx="0" cy="0"/>
+        </a:xfrm>
+      </p:grpSpPr>
+      <p:sp>
+        <p:nvSpPr>
+          <p:cNvPr id="2" name="Title 1">
+            <a:extLst>
+              <a:ext uri="{FF2B5EF4-FFF2-40B4-BE49-F238E27FC236}">
+                <a16:creationId xmlns:a16="http://schemas.microsoft.com/office/drawing/2014/main" id="{6ED6C579-3AE1-385E-B13A-F32CA337EF0B}"/>
+              </a:ext>
+            </a:extLst>
+          </p:cNvPr>
+          <p:cNvSpPr>
+            <a:spLocks noGrp="1"/>
+          </p:cNvSpPr>
+          <p:nvPr>
+            <p:ph type="title"/>
+          </p:nvPr>
+        </p:nvSpPr>
+        <p:spPr/>
+        <p:txBody>
+          <a:bodyPr/>
+          <a:lstStyle/>
+          <a:p>
+            <a:r>
+              <a:rPr lang="en-KW" dirty="0"/>
+              <a:t>Coding</a:t>
+            </a:r>
+          </a:p>
+        </p:txBody>
+      </p:sp>
+      <p:sp>
+        <p:nvSpPr>
+          <p:cNvPr id="3" name="Content Placeholder 2">
+            <a:extLst>
+              <a:ext uri="{FF2B5EF4-FFF2-40B4-BE49-F238E27FC236}">
+                <a16:creationId xmlns:a16="http://schemas.microsoft.com/office/drawing/2014/main" id="{D2AAE37E-50B3-DD2F-83D9-D2C97D23793D}"/>
+              </a:ext>
+            </a:extLst>
+          </p:cNvPr>
+          <p:cNvSpPr>
+            <a:spLocks noGrp="1"/>
+          </p:cNvSpPr>
+          <p:nvPr>
+            <p:ph idx="1"/>
+          </p:nvPr>
+        </p:nvSpPr>
+        <p:spPr/>
+        <p:txBody>
+          <a:bodyPr/>
+          <a:lstStyle/>
+          <a:p>
+            <a:r>
+              <a:rPr lang="en-KW" dirty="0"/>
+              <a:t>Implement linear binary classification with JAX</a:t>
+            </a:r>
+          </a:p>
+          <a:p>
+            <a:r>
+              <a:rPr lang="en-KW" dirty="0"/>
+              <a:t>Train model on two blobs dataset</a:t>
+            </a:r>
+          </a:p>
+          <a:p>
+            <a:r>
+              <a:rPr lang="en-KW" dirty="0"/>
+              <a:t>Plot the model fit</a:t>
+            </a:r>
+          </a:p>
+        </p:txBody>
+      </p:sp>
+    </p:spTree>
+    <p:extLst>
+      <p:ext uri="{BB962C8B-B14F-4D97-AF65-F5344CB8AC3E}">
+        <p14:creationId xmlns:p14="http://schemas.microsoft.com/office/powerpoint/2010/main" val="1760064608"/>
+      </p:ext>
+    </p:extLst>
+  </p:cSld>
+  <p:clrMapOvr>
+    <a:masterClrMapping/>
+  </p:clrMapOvr>
+</p:sld>
+</file>
+
 <file path=ppt/slides/slide2.xml><?xml version="1.0" encoding="utf-8"?>
 <p:sld xmlns:a="http://schemas.openxmlformats.org/drawingml/2006/main" xmlns:r="http://schemas.openxmlformats.org/officeDocument/2006/relationships" xmlns:p="http://schemas.openxmlformats.org/presentationml/2006/main">
   <p:cSld>
@@ -4024,6 +4126,262 @@
   <p:clrMapOvr>
     <a:masterClrMapping/>
   </p:clrMapOvr>
+  <p:timing>
+    <p:tnLst>
+      <p:par>
+        <p:cTn id="1" dur="indefinite" restart="never" nodeType="tmRoot">
+          <p:childTnLst>
+            <p:seq concurrent="1" nextAc="seek">
+              <p:cTn id="2" dur="indefinite" nodeType="mainSeq">
+                <p:childTnLst>
+                  <p:par>
+                    <p:cTn id="3" fill="hold">
+                      <p:stCondLst>
+                        <p:cond delay="indefinite"/>
+                      </p:stCondLst>
+                      <p:childTnLst>
+                        <p:par>
+                          <p:cTn id="4" fill="hold">
+                            <p:stCondLst>
+                              <p:cond delay="0"/>
+                            </p:stCondLst>
+                            <p:childTnLst>
+                              <p:par>
+                                <p:cTn id="5" presetID="1" presetClass="entr" presetSubtype="0" fill="hold" grpId="0" nodeType="clickEffect">
+                                  <p:stCondLst>
+                                    <p:cond delay="0"/>
+                                  </p:stCondLst>
+                                  <p:childTnLst>
+                                    <p:set>
+                                      <p:cBhvr>
+                                        <p:cTn id="6" dur="1" fill="hold">
+                                          <p:stCondLst>
+                                            <p:cond delay="0"/>
+                                          </p:stCondLst>
+                                        </p:cTn>
+                                        <p:tgtEl>
+                                          <p:spTgt spid="3">
+                                            <p:txEl>
+                                              <p:pRg st="0" end="0"/>
+                                            </p:txEl>
+                                          </p:spTgt>
+                                        </p:tgtEl>
+                                        <p:attrNameLst>
+                                          <p:attrName>style.visibility</p:attrName>
+                                        </p:attrNameLst>
+                                      </p:cBhvr>
+                                      <p:to>
+                                        <p:strVal val="visible"/>
+                                      </p:to>
+                                    </p:set>
+                                  </p:childTnLst>
+                                </p:cTn>
+                              </p:par>
+                            </p:childTnLst>
+                          </p:cTn>
+                        </p:par>
+                      </p:childTnLst>
+                    </p:cTn>
+                  </p:par>
+                  <p:par>
+                    <p:cTn id="7" fill="hold">
+                      <p:stCondLst>
+                        <p:cond delay="indefinite"/>
+                      </p:stCondLst>
+                      <p:childTnLst>
+                        <p:par>
+                          <p:cTn id="8" fill="hold">
+                            <p:stCondLst>
+                              <p:cond delay="0"/>
+                            </p:stCondLst>
+                            <p:childTnLst>
+                              <p:par>
+                                <p:cTn id="9" presetID="1" presetClass="entr" presetSubtype="0" fill="hold" grpId="0" nodeType="clickEffect">
+                                  <p:stCondLst>
+                                    <p:cond delay="0"/>
+                                  </p:stCondLst>
+                                  <p:childTnLst>
+                                    <p:set>
+                                      <p:cBhvr>
+                                        <p:cTn id="10" dur="1" fill="hold">
+                                          <p:stCondLst>
+                                            <p:cond delay="0"/>
+                                          </p:stCondLst>
+                                        </p:cTn>
+                                        <p:tgtEl>
+                                          <p:spTgt spid="3">
+                                            <p:txEl>
+                                              <p:pRg st="1" end="1"/>
+                                            </p:txEl>
+                                          </p:spTgt>
+                                        </p:tgtEl>
+                                        <p:attrNameLst>
+                                          <p:attrName>style.visibility</p:attrName>
+                                        </p:attrNameLst>
+                                      </p:cBhvr>
+                                      <p:to>
+                                        <p:strVal val="visible"/>
+                                      </p:to>
+                                    </p:set>
+                                  </p:childTnLst>
+                                </p:cTn>
+                              </p:par>
+                              <p:par>
+                                <p:cTn id="11" presetID="1" presetClass="entr" presetSubtype="0" fill="hold" grpId="0" nodeType="withEffect">
+                                  <p:stCondLst>
+                                    <p:cond delay="0"/>
+                                  </p:stCondLst>
+                                  <p:childTnLst>
+                                    <p:set>
+                                      <p:cBhvr>
+                                        <p:cTn id="12" dur="1" fill="hold">
+                                          <p:stCondLst>
+                                            <p:cond delay="0"/>
+                                          </p:stCondLst>
+                                        </p:cTn>
+                                        <p:tgtEl>
+                                          <p:spTgt spid="3">
+                                            <p:txEl>
+                                              <p:pRg st="2" end="2"/>
+                                            </p:txEl>
+                                          </p:spTgt>
+                                        </p:tgtEl>
+                                        <p:attrNameLst>
+                                          <p:attrName>style.visibility</p:attrName>
+                                        </p:attrNameLst>
+                                      </p:cBhvr>
+                                      <p:to>
+                                        <p:strVal val="visible"/>
+                                      </p:to>
+                                    </p:set>
+                                  </p:childTnLst>
+                                </p:cTn>
+                              </p:par>
+                            </p:childTnLst>
+                          </p:cTn>
+                        </p:par>
+                      </p:childTnLst>
+                    </p:cTn>
+                  </p:par>
+                  <p:par>
+                    <p:cTn id="13" fill="hold">
+                      <p:stCondLst>
+                        <p:cond delay="indefinite"/>
+                      </p:stCondLst>
+                      <p:childTnLst>
+                        <p:par>
+                          <p:cTn id="14" fill="hold">
+                            <p:stCondLst>
+                              <p:cond delay="0"/>
+                            </p:stCondLst>
+                            <p:childTnLst>
+                              <p:par>
+                                <p:cTn id="15" presetID="1" presetClass="entr" presetSubtype="0" fill="hold" grpId="0" nodeType="clickEffect">
+                                  <p:stCondLst>
+                                    <p:cond delay="0"/>
+                                  </p:stCondLst>
+                                  <p:childTnLst>
+                                    <p:set>
+                                      <p:cBhvr>
+                                        <p:cTn id="16" dur="1" fill="hold">
+                                          <p:stCondLst>
+                                            <p:cond delay="0"/>
+                                          </p:stCondLst>
+                                        </p:cTn>
+                                        <p:tgtEl>
+                                          <p:spTgt spid="3">
+                                            <p:txEl>
+                                              <p:pRg st="3" end="3"/>
+                                            </p:txEl>
+                                          </p:spTgt>
+                                        </p:tgtEl>
+                                        <p:attrNameLst>
+                                          <p:attrName>style.visibility</p:attrName>
+                                        </p:attrNameLst>
+                                      </p:cBhvr>
+                                      <p:to>
+                                        <p:strVal val="visible"/>
+                                      </p:to>
+                                    </p:set>
+                                  </p:childTnLst>
+                                </p:cTn>
+                              </p:par>
+                            </p:childTnLst>
+                          </p:cTn>
+                        </p:par>
+                      </p:childTnLst>
+                    </p:cTn>
+                  </p:par>
+                  <p:par>
+                    <p:cTn id="17" fill="hold">
+                      <p:stCondLst>
+                        <p:cond delay="indefinite"/>
+                      </p:stCondLst>
+                      <p:childTnLst>
+                        <p:par>
+                          <p:cTn id="18" fill="hold">
+                            <p:stCondLst>
+                              <p:cond delay="0"/>
+                            </p:stCondLst>
+                            <p:childTnLst>
+                              <p:par>
+                                <p:cTn id="19" presetID="1" presetClass="entr" presetSubtype="0" fill="hold" nodeType="clickEffect">
+                                  <p:stCondLst>
+                                    <p:cond delay="0"/>
+                                  </p:stCondLst>
+                                  <p:childTnLst>
+                                    <p:set>
+                                      <p:cBhvr>
+                                        <p:cTn id="20" dur="1" fill="hold">
+                                          <p:stCondLst>
+                                            <p:cond delay="0"/>
+                                          </p:stCondLst>
+                                        </p:cTn>
+                                        <p:tgtEl>
+                                          <p:spTgt spid="5"/>
+                                        </p:tgtEl>
+                                        <p:attrNameLst>
+                                          <p:attrName>style.visibility</p:attrName>
+                                        </p:attrNameLst>
+                                      </p:cBhvr>
+                                      <p:to>
+                                        <p:strVal val="visible"/>
+                                      </p:to>
+                                    </p:set>
+                                  </p:childTnLst>
+                                </p:cTn>
+                              </p:par>
+                            </p:childTnLst>
+                          </p:cTn>
+                        </p:par>
+                      </p:childTnLst>
+                    </p:cTn>
+                  </p:par>
+                </p:childTnLst>
+              </p:cTn>
+              <p:prevCondLst>
+                <p:cond evt="onPrev" delay="0">
+                  <p:tgtEl>
+                    <p:sldTgt/>
+                  </p:tgtEl>
+                </p:cond>
+              </p:prevCondLst>
+              <p:nextCondLst>
+                <p:cond evt="onNext" delay="0">
+                  <p:tgtEl>
+                    <p:sldTgt/>
+                  </p:tgtEl>
+                </p:cond>
+              </p:nextCondLst>
+            </p:seq>
+          </p:childTnLst>
+        </p:cTn>
+      </p:par>
+    </p:tnLst>
+    <p:bldLst>
+      <p:bldP spid="3" grpId="0" build="p"/>
+    </p:bldLst>
+  </p:timing>
 </p:sld>
 </file>
 
@@ -4365,6 +4723,112 @@
   <p:clrMapOvr>
     <a:masterClrMapping/>
   </p:clrMapOvr>
+  <p:timing>
+    <p:tnLst>
+      <p:par>
+        <p:cTn id="1" dur="indefinite" restart="never" nodeType="tmRoot">
+          <p:childTnLst>
+            <p:seq concurrent="1" nextAc="seek">
+              <p:cTn id="2" dur="indefinite" nodeType="mainSeq">
+                <p:childTnLst>
+                  <p:par>
+                    <p:cTn id="3" fill="hold">
+                      <p:stCondLst>
+                        <p:cond delay="indefinite"/>
+                      </p:stCondLst>
+                      <p:childTnLst>
+                        <p:par>
+                          <p:cTn id="4" fill="hold">
+                            <p:stCondLst>
+                              <p:cond delay="0"/>
+                            </p:stCondLst>
+                            <p:childTnLst>
+                              <p:par>
+                                <p:cTn id="5" presetID="1" presetClass="entr" presetSubtype="0" fill="hold" grpId="0" nodeType="clickEffect">
+                                  <p:stCondLst>
+                                    <p:cond delay="0"/>
+                                  </p:stCondLst>
+                                  <p:childTnLst>
+                                    <p:set>
+                                      <p:cBhvr>
+                                        <p:cTn id="6" dur="1" fill="hold">
+                                          <p:stCondLst>
+                                            <p:cond delay="0"/>
+                                          </p:stCondLst>
+                                        </p:cTn>
+                                        <p:tgtEl>
+                                          <p:spTgt spid="7"/>
+                                        </p:tgtEl>
+                                        <p:attrNameLst>
+                                          <p:attrName>style.visibility</p:attrName>
+                                        </p:attrNameLst>
+                                      </p:cBhvr>
+                                      <p:to>
+                                        <p:strVal val="visible"/>
+                                      </p:to>
+                                    </p:set>
+                                  </p:childTnLst>
+                                </p:cTn>
+                              </p:par>
+                              <p:par>
+                                <p:cTn id="7" presetID="1" presetClass="entr" presetSubtype="0" fill="hold" grpId="0" nodeType="withEffect">
+                                  <p:stCondLst>
+                                    <p:cond delay="0"/>
+                                  </p:stCondLst>
+                                  <p:childTnLst>
+                                    <p:set>
+                                      <p:cBhvr>
+                                        <p:cTn id="8" dur="1" fill="hold">
+                                          <p:stCondLst>
+                                            <p:cond delay="0"/>
+                                          </p:stCondLst>
+                                        </p:cTn>
+                                        <p:tgtEl>
+                                          <p:spTgt spid="6"/>
+                                        </p:tgtEl>
+                                        <p:attrNameLst>
+                                          <p:attrName>style.visibility</p:attrName>
+                                        </p:attrNameLst>
+                                      </p:cBhvr>
+                                      <p:to>
+                                        <p:strVal val="visible"/>
+                                      </p:to>
+                                    </p:set>
+                                  </p:childTnLst>
+                                </p:cTn>
+                              </p:par>
+                            </p:childTnLst>
+                          </p:cTn>
+                        </p:par>
+                      </p:childTnLst>
+                    </p:cTn>
+                  </p:par>
+                </p:childTnLst>
+              </p:cTn>
+              <p:prevCondLst>
+                <p:cond evt="onPrev" delay="0">
+                  <p:tgtEl>
+                    <p:sldTgt/>
+                  </p:tgtEl>
+                </p:cond>
+              </p:prevCondLst>
+              <p:nextCondLst>
+                <p:cond evt="onNext" delay="0">
+                  <p:tgtEl>
+                    <p:sldTgt/>
+                  </p:tgtEl>
+                </p:cond>
+              </p:nextCondLst>
+            </p:seq>
+          </p:childTnLst>
+        </p:cTn>
+      </p:par>
+    </p:tnLst>
+    <p:bldLst>
+      <p:bldP spid="6" grpId="0"/>
+      <p:bldP spid="7" grpId="0" animBg="1"/>
+    </p:bldLst>
+  </p:timing>
 </p:sld>
 </file>
 
@@ -4413,8 +4877,8 @@
           </a:p>
         </p:txBody>
       </p:sp>
-      <mc:AlternateContent xmlns:mc="http://schemas.openxmlformats.org/markup-compatibility/2006">
-        <mc:Choice xmlns:a14="http://schemas.microsoft.com/office/drawing/2010/main" Requires="a14">
+      <mc:AlternateContent xmlns:mc="http://schemas.openxmlformats.org/markup-compatibility/2006" xmlns:a14="http://schemas.microsoft.com/office/drawing/2010/main">
+        <mc:Choice Requires="a14">
           <p:sp>
             <p:nvSpPr>
               <p:cNvPr id="3" name="Content Placeholder 2">
@@ -4968,7 +5432,7 @@
             </p:txBody>
           </p:sp>
         </mc:Choice>
-        <mc:Fallback>
+        <mc:Fallback xmlns="">
           <p:sp>
             <p:nvSpPr>
               <p:cNvPr id="3" name="Content Placeholder 2">
@@ -5058,6 +5522,311 @@
   <p:clrMapOvr>
     <a:masterClrMapping/>
   </p:clrMapOvr>
+  <p:timing>
+    <p:tnLst>
+      <p:par>
+        <p:cTn id="1" dur="indefinite" restart="never" nodeType="tmRoot">
+          <p:childTnLst>
+            <p:seq concurrent="1" nextAc="seek">
+              <p:cTn id="2" dur="indefinite" nodeType="mainSeq">
+                <p:childTnLst>
+                  <p:par>
+                    <p:cTn id="3" fill="hold">
+                      <p:stCondLst>
+                        <p:cond delay="indefinite"/>
+                      </p:stCondLst>
+                      <p:childTnLst>
+                        <p:par>
+                          <p:cTn id="4" fill="hold">
+                            <p:stCondLst>
+                              <p:cond delay="0"/>
+                            </p:stCondLst>
+                            <p:childTnLst>
+                              <p:par>
+                                <p:cTn id="5" presetID="1" presetClass="entr" presetSubtype="0" fill="hold" grpId="0" nodeType="clickEffect">
+                                  <p:stCondLst>
+                                    <p:cond delay="0"/>
+                                  </p:stCondLst>
+                                  <p:childTnLst>
+                                    <p:set>
+                                      <p:cBhvr>
+                                        <p:cTn id="6" dur="1" fill="hold">
+                                          <p:stCondLst>
+                                            <p:cond delay="0"/>
+                                          </p:stCondLst>
+                                        </p:cTn>
+                                        <p:tgtEl>
+                                          <p:spTgt spid="3">
+                                            <p:txEl>
+                                              <p:pRg st="0" end="0"/>
+                                            </p:txEl>
+                                          </p:spTgt>
+                                        </p:tgtEl>
+                                        <p:attrNameLst>
+                                          <p:attrName>style.visibility</p:attrName>
+                                        </p:attrNameLst>
+                                      </p:cBhvr>
+                                      <p:to>
+                                        <p:strVal val="visible"/>
+                                      </p:to>
+                                    </p:set>
+                                  </p:childTnLst>
+                                </p:cTn>
+                              </p:par>
+                            </p:childTnLst>
+                          </p:cTn>
+                        </p:par>
+                      </p:childTnLst>
+                    </p:cTn>
+                  </p:par>
+                  <p:par>
+                    <p:cTn id="7" fill="hold">
+                      <p:stCondLst>
+                        <p:cond delay="indefinite"/>
+                      </p:stCondLst>
+                      <p:childTnLst>
+                        <p:par>
+                          <p:cTn id="8" fill="hold">
+                            <p:stCondLst>
+                              <p:cond delay="0"/>
+                            </p:stCondLst>
+                            <p:childTnLst>
+                              <p:par>
+                                <p:cTn id="9" presetID="1" presetClass="entr" presetSubtype="0" fill="hold" grpId="0" nodeType="clickEffect">
+                                  <p:stCondLst>
+                                    <p:cond delay="0"/>
+                                  </p:stCondLst>
+                                  <p:childTnLst>
+                                    <p:set>
+                                      <p:cBhvr>
+                                        <p:cTn id="10" dur="1" fill="hold">
+                                          <p:stCondLst>
+                                            <p:cond delay="0"/>
+                                          </p:stCondLst>
+                                        </p:cTn>
+                                        <p:tgtEl>
+                                          <p:spTgt spid="3">
+                                            <p:txEl>
+                                              <p:pRg st="2" end="2"/>
+                                            </p:txEl>
+                                          </p:spTgt>
+                                        </p:tgtEl>
+                                        <p:attrNameLst>
+                                          <p:attrName>style.visibility</p:attrName>
+                                        </p:attrNameLst>
+                                      </p:cBhvr>
+                                      <p:to>
+                                        <p:strVal val="visible"/>
+                                      </p:to>
+                                    </p:set>
+                                  </p:childTnLst>
+                                </p:cTn>
+                              </p:par>
+                              <p:par>
+                                <p:cTn id="11" presetID="1" presetClass="entr" presetSubtype="0" fill="hold" nodeType="withEffect">
+                                  <p:stCondLst>
+                                    <p:cond delay="0"/>
+                                  </p:stCondLst>
+                                  <p:childTnLst>
+                                    <p:set>
+                                      <p:cBhvr>
+                                        <p:cTn id="12" dur="1" fill="hold">
+                                          <p:stCondLst>
+                                            <p:cond delay="0"/>
+                                          </p:stCondLst>
+                                        </p:cTn>
+                                        <p:tgtEl>
+                                          <p:spTgt spid="7"/>
+                                        </p:tgtEl>
+                                        <p:attrNameLst>
+                                          <p:attrName>style.visibility</p:attrName>
+                                        </p:attrNameLst>
+                                      </p:cBhvr>
+                                      <p:to>
+                                        <p:strVal val="visible"/>
+                                      </p:to>
+                                    </p:set>
+                                  </p:childTnLst>
+                                </p:cTn>
+                              </p:par>
+                            </p:childTnLst>
+                          </p:cTn>
+                        </p:par>
+                      </p:childTnLst>
+                    </p:cTn>
+                  </p:par>
+                  <p:par>
+                    <p:cTn id="13" fill="hold">
+                      <p:stCondLst>
+                        <p:cond delay="indefinite"/>
+                      </p:stCondLst>
+                      <p:childTnLst>
+                        <p:par>
+                          <p:cTn id="14" fill="hold">
+                            <p:stCondLst>
+                              <p:cond delay="0"/>
+                            </p:stCondLst>
+                            <p:childTnLst>
+                              <p:par>
+                                <p:cTn id="15" presetID="1" presetClass="entr" presetSubtype="0" fill="hold" grpId="0" nodeType="clickEffect">
+                                  <p:stCondLst>
+                                    <p:cond delay="0"/>
+                                  </p:stCondLst>
+                                  <p:childTnLst>
+                                    <p:set>
+                                      <p:cBhvr>
+                                        <p:cTn id="16" dur="1" fill="hold">
+                                          <p:stCondLst>
+                                            <p:cond delay="0"/>
+                                          </p:stCondLst>
+                                        </p:cTn>
+                                        <p:tgtEl>
+                                          <p:spTgt spid="3">
+                                            <p:txEl>
+                                              <p:pRg st="4" end="4"/>
+                                            </p:txEl>
+                                          </p:spTgt>
+                                        </p:tgtEl>
+                                        <p:attrNameLst>
+                                          <p:attrName>style.visibility</p:attrName>
+                                        </p:attrNameLst>
+                                      </p:cBhvr>
+                                      <p:to>
+                                        <p:strVal val="visible"/>
+                                      </p:to>
+                                    </p:set>
+                                  </p:childTnLst>
+                                </p:cTn>
+                              </p:par>
+                            </p:childTnLst>
+                          </p:cTn>
+                        </p:par>
+                      </p:childTnLst>
+                    </p:cTn>
+                  </p:par>
+                  <p:par>
+                    <p:cTn id="17" fill="hold">
+                      <p:stCondLst>
+                        <p:cond delay="indefinite"/>
+                      </p:stCondLst>
+                      <p:childTnLst>
+                        <p:par>
+                          <p:cTn id="18" fill="hold">
+                            <p:stCondLst>
+                              <p:cond delay="0"/>
+                            </p:stCondLst>
+                            <p:childTnLst>
+                              <p:par>
+                                <p:cTn id="19" presetID="1" presetClass="entr" presetSubtype="0" fill="hold" grpId="0" nodeType="clickEffect">
+                                  <p:stCondLst>
+                                    <p:cond delay="0"/>
+                                  </p:stCondLst>
+                                  <p:childTnLst>
+                                    <p:set>
+                                      <p:cBhvr>
+                                        <p:cTn id="20" dur="1" fill="hold">
+                                          <p:stCondLst>
+                                            <p:cond delay="0"/>
+                                          </p:stCondLst>
+                                        </p:cTn>
+                                        <p:tgtEl>
+                                          <p:spTgt spid="3">
+                                            <p:txEl>
+                                              <p:pRg st="5" end="5"/>
+                                            </p:txEl>
+                                          </p:spTgt>
+                                        </p:tgtEl>
+                                        <p:attrNameLst>
+                                          <p:attrName>style.visibility</p:attrName>
+                                        </p:attrNameLst>
+                                      </p:cBhvr>
+                                      <p:to>
+                                        <p:strVal val="visible"/>
+                                      </p:to>
+                                    </p:set>
+                                  </p:childTnLst>
+                                </p:cTn>
+                              </p:par>
+                            </p:childTnLst>
+                          </p:cTn>
+                        </p:par>
+                      </p:childTnLst>
+                    </p:cTn>
+                  </p:par>
+                  <p:par>
+                    <p:cTn id="21" fill="hold">
+                      <p:stCondLst>
+                        <p:cond delay="indefinite"/>
+                      </p:stCondLst>
+                      <p:childTnLst>
+                        <p:par>
+                          <p:cTn id="22" fill="hold">
+                            <p:stCondLst>
+                              <p:cond delay="0"/>
+                            </p:stCondLst>
+                            <p:childTnLst>
+                              <p:par>
+                                <p:cTn id="23" presetID="1" presetClass="entr" presetSubtype="0" fill="hold" grpId="0" nodeType="clickEffect">
+                                  <p:stCondLst>
+                                    <p:cond delay="0"/>
+                                  </p:stCondLst>
+                                  <p:childTnLst>
+                                    <p:set>
+                                      <p:cBhvr>
+                                        <p:cTn id="24" dur="1" fill="hold">
+                                          <p:stCondLst>
+                                            <p:cond delay="0"/>
+                                          </p:stCondLst>
+                                        </p:cTn>
+                                        <p:tgtEl>
+                                          <p:spTgt spid="3">
+                                            <p:txEl>
+                                              <p:pRg st="6" end="6"/>
+                                            </p:txEl>
+                                          </p:spTgt>
+                                        </p:tgtEl>
+                                        <p:attrNameLst>
+                                          <p:attrName>style.visibility</p:attrName>
+                                        </p:attrNameLst>
+                                      </p:cBhvr>
+                                      <p:to>
+                                        <p:strVal val="visible"/>
+                                      </p:to>
+                                    </p:set>
+                                  </p:childTnLst>
+                                </p:cTn>
+                              </p:par>
+                            </p:childTnLst>
+                          </p:cTn>
+                        </p:par>
+                      </p:childTnLst>
+                    </p:cTn>
+                  </p:par>
+                </p:childTnLst>
+              </p:cTn>
+              <p:prevCondLst>
+                <p:cond evt="onPrev" delay="0">
+                  <p:tgtEl>
+                    <p:sldTgt/>
+                  </p:tgtEl>
+                </p:cond>
+              </p:prevCondLst>
+              <p:nextCondLst>
+                <p:cond evt="onNext" delay="0">
+                  <p:tgtEl>
+                    <p:sldTgt/>
+                  </p:tgtEl>
+                </p:cond>
+              </p:nextCondLst>
+            </p:seq>
+          </p:childTnLst>
+        </p:cTn>
+      </p:par>
+    </p:tnLst>
+    <p:bldLst>
+      <p:bldP spid="3" grpId="0" uiExpand="1" build="p"/>
+    </p:bldLst>
+  </p:timing>
 </p:sld>
 </file>
 
@@ -6561,6 +7330,382 @@
   <p:clrMapOvr>
     <a:masterClrMapping/>
   </p:clrMapOvr>
+  <p:timing>
+    <p:tnLst>
+      <p:par>
+        <p:cTn id="1" dur="indefinite" restart="never" nodeType="tmRoot">
+          <p:childTnLst>
+            <p:seq concurrent="1" nextAc="seek">
+              <p:cTn id="2" dur="indefinite" nodeType="mainSeq">
+                <p:childTnLst>
+                  <p:par>
+                    <p:cTn id="3" fill="hold">
+                      <p:stCondLst>
+                        <p:cond delay="indefinite"/>
+                      </p:stCondLst>
+                      <p:childTnLst>
+                        <p:par>
+                          <p:cTn id="4" fill="hold">
+                            <p:stCondLst>
+                              <p:cond delay="0"/>
+                            </p:stCondLst>
+                            <p:childTnLst>
+                              <p:par>
+                                <p:cTn id="5" presetID="1" presetClass="entr" presetSubtype="0" fill="hold" grpId="0" nodeType="clickEffect">
+                                  <p:stCondLst>
+                                    <p:cond delay="0"/>
+                                  </p:stCondLst>
+                                  <p:childTnLst>
+                                    <p:set>
+                                      <p:cBhvr>
+                                        <p:cTn id="6" dur="1" fill="hold">
+                                          <p:stCondLst>
+                                            <p:cond delay="0"/>
+                                          </p:stCondLst>
+                                        </p:cTn>
+                                        <p:tgtEl>
+                                          <p:spTgt spid="3">
+                                            <p:txEl>
+                                              <p:pRg st="0" end="0"/>
+                                            </p:txEl>
+                                          </p:spTgt>
+                                        </p:tgtEl>
+                                        <p:attrNameLst>
+                                          <p:attrName>style.visibility</p:attrName>
+                                        </p:attrNameLst>
+                                      </p:cBhvr>
+                                      <p:to>
+                                        <p:strVal val="visible"/>
+                                      </p:to>
+                                    </p:set>
+                                  </p:childTnLst>
+                                </p:cTn>
+                              </p:par>
+                            </p:childTnLst>
+                          </p:cTn>
+                        </p:par>
+                      </p:childTnLst>
+                    </p:cTn>
+                  </p:par>
+                  <p:par>
+                    <p:cTn id="7" fill="hold">
+                      <p:stCondLst>
+                        <p:cond delay="indefinite"/>
+                      </p:stCondLst>
+                      <p:childTnLst>
+                        <p:par>
+                          <p:cTn id="8" fill="hold">
+                            <p:stCondLst>
+                              <p:cond delay="0"/>
+                            </p:stCondLst>
+                            <p:childTnLst>
+                              <p:par>
+                                <p:cTn id="9" presetID="1" presetClass="entr" presetSubtype="0" fill="hold" grpId="0" nodeType="clickEffect">
+                                  <p:stCondLst>
+                                    <p:cond delay="0"/>
+                                  </p:stCondLst>
+                                  <p:childTnLst>
+                                    <p:set>
+                                      <p:cBhvr>
+                                        <p:cTn id="10" dur="1" fill="hold">
+                                          <p:stCondLst>
+                                            <p:cond delay="0"/>
+                                          </p:stCondLst>
+                                        </p:cTn>
+                                        <p:tgtEl>
+                                          <p:spTgt spid="3">
+                                            <p:txEl>
+                                              <p:pRg st="2" end="2"/>
+                                            </p:txEl>
+                                          </p:spTgt>
+                                        </p:tgtEl>
+                                        <p:attrNameLst>
+                                          <p:attrName>style.visibility</p:attrName>
+                                        </p:attrNameLst>
+                                      </p:cBhvr>
+                                      <p:to>
+                                        <p:strVal val="visible"/>
+                                      </p:to>
+                                    </p:set>
+                                  </p:childTnLst>
+                                </p:cTn>
+                              </p:par>
+                            </p:childTnLst>
+                          </p:cTn>
+                        </p:par>
+                      </p:childTnLst>
+                    </p:cTn>
+                  </p:par>
+                  <p:par>
+                    <p:cTn id="11" fill="hold">
+                      <p:stCondLst>
+                        <p:cond delay="indefinite"/>
+                      </p:stCondLst>
+                      <p:childTnLst>
+                        <p:par>
+                          <p:cTn id="12" fill="hold">
+                            <p:stCondLst>
+                              <p:cond delay="0"/>
+                            </p:stCondLst>
+                            <p:childTnLst>
+                              <p:par>
+                                <p:cTn id="13" presetID="1" presetClass="entr" presetSubtype="0" fill="hold" grpId="0" nodeType="clickEffect">
+                                  <p:stCondLst>
+                                    <p:cond delay="0"/>
+                                  </p:stCondLst>
+                                  <p:childTnLst>
+                                    <p:set>
+                                      <p:cBhvr>
+                                        <p:cTn id="14" dur="1" fill="hold">
+                                          <p:stCondLst>
+                                            <p:cond delay="0"/>
+                                          </p:stCondLst>
+                                        </p:cTn>
+                                        <p:tgtEl>
+                                          <p:spTgt spid="3">
+                                            <p:txEl>
+                                              <p:pRg st="3" end="3"/>
+                                            </p:txEl>
+                                          </p:spTgt>
+                                        </p:tgtEl>
+                                        <p:attrNameLst>
+                                          <p:attrName>style.visibility</p:attrName>
+                                        </p:attrNameLst>
+                                      </p:cBhvr>
+                                      <p:to>
+                                        <p:strVal val="visible"/>
+                                      </p:to>
+                                    </p:set>
+                                  </p:childTnLst>
+                                </p:cTn>
+                              </p:par>
+                            </p:childTnLst>
+                          </p:cTn>
+                        </p:par>
+                      </p:childTnLst>
+                    </p:cTn>
+                  </p:par>
+                  <p:par>
+                    <p:cTn id="15" fill="hold">
+                      <p:stCondLst>
+                        <p:cond delay="indefinite"/>
+                      </p:stCondLst>
+                      <p:childTnLst>
+                        <p:par>
+                          <p:cTn id="16" fill="hold">
+                            <p:stCondLst>
+                              <p:cond delay="0"/>
+                            </p:stCondLst>
+                            <p:childTnLst>
+                              <p:par>
+                                <p:cTn id="17" presetID="1" presetClass="entr" presetSubtype="0" fill="hold" grpId="0" nodeType="clickEffect">
+                                  <p:stCondLst>
+                                    <p:cond delay="0"/>
+                                  </p:stCondLst>
+                                  <p:childTnLst>
+                                    <p:set>
+                                      <p:cBhvr>
+                                        <p:cTn id="18" dur="1" fill="hold">
+                                          <p:stCondLst>
+                                            <p:cond delay="0"/>
+                                          </p:stCondLst>
+                                        </p:cTn>
+                                        <p:tgtEl>
+                                          <p:spTgt spid="3">
+                                            <p:txEl>
+                                              <p:pRg st="4" end="4"/>
+                                            </p:txEl>
+                                          </p:spTgt>
+                                        </p:tgtEl>
+                                        <p:attrNameLst>
+                                          <p:attrName>style.visibility</p:attrName>
+                                        </p:attrNameLst>
+                                      </p:cBhvr>
+                                      <p:to>
+                                        <p:strVal val="visible"/>
+                                      </p:to>
+                                    </p:set>
+                                  </p:childTnLst>
+                                </p:cTn>
+                              </p:par>
+                            </p:childTnLst>
+                          </p:cTn>
+                        </p:par>
+                      </p:childTnLst>
+                    </p:cTn>
+                  </p:par>
+                  <p:par>
+                    <p:cTn id="19" fill="hold">
+                      <p:stCondLst>
+                        <p:cond delay="indefinite"/>
+                      </p:stCondLst>
+                      <p:childTnLst>
+                        <p:par>
+                          <p:cTn id="20" fill="hold">
+                            <p:stCondLst>
+                              <p:cond delay="0"/>
+                            </p:stCondLst>
+                            <p:childTnLst>
+                              <p:par>
+                                <p:cTn id="21" presetID="1" presetClass="entr" presetSubtype="0" fill="hold" grpId="0" nodeType="clickEffect">
+                                  <p:stCondLst>
+                                    <p:cond delay="0"/>
+                                  </p:stCondLst>
+                                  <p:childTnLst>
+                                    <p:set>
+                                      <p:cBhvr>
+                                        <p:cTn id="22" dur="1" fill="hold">
+                                          <p:stCondLst>
+                                            <p:cond delay="0"/>
+                                          </p:stCondLst>
+                                        </p:cTn>
+                                        <p:tgtEl>
+                                          <p:spTgt spid="3">
+                                            <p:txEl>
+                                              <p:pRg st="6" end="6"/>
+                                            </p:txEl>
+                                          </p:spTgt>
+                                        </p:tgtEl>
+                                        <p:attrNameLst>
+                                          <p:attrName>style.visibility</p:attrName>
+                                        </p:attrNameLst>
+                                      </p:cBhvr>
+                                      <p:to>
+                                        <p:strVal val="visible"/>
+                                      </p:to>
+                                    </p:set>
+                                  </p:childTnLst>
+                                </p:cTn>
+                              </p:par>
+                            </p:childTnLst>
+                          </p:cTn>
+                        </p:par>
+                      </p:childTnLst>
+                    </p:cTn>
+                  </p:par>
+                  <p:par>
+                    <p:cTn id="23" fill="hold">
+                      <p:stCondLst>
+                        <p:cond delay="indefinite"/>
+                      </p:stCondLst>
+                      <p:childTnLst>
+                        <p:par>
+                          <p:cTn id="24" fill="hold">
+                            <p:stCondLst>
+                              <p:cond delay="0"/>
+                            </p:stCondLst>
+                            <p:childTnLst>
+                              <p:par>
+                                <p:cTn id="25" presetID="1" presetClass="entr" presetSubtype="0" fill="hold" grpId="0" nodeType="clickEffect">
+                                  <p:stCondLst>
+                                    <p:cond delay="0"/>
+                                  </p:stCondLst>
+                                  <p:childTnLst>
+                                    <p:set>
+                                      <p:cBhvr>
+                                        <p:cTn id="26" dur="1" fill="hold">
+                                          <p:stCondLst>
+                                            <p:cond delay="0"/>
+                                          </p:stCondLst>
+                                        </p:cTn>
+                                        <p:tgtEl>
+                                          <p:spTgt spid="3">
+                                            <p:txEl>
+                                              <p:pRg st="7" end="7"/>
+                                            </p:txEl>
+                                          </p:spTgt>
+                                        </p:tgtEl>
+                                        <p:attrNameLst>
+                                          <p:attrName>style.visibility</p:attrName>
+                                        </p:attrNameLst>
+                                      </p:cBhvr>
+                                      <p:to>
+                                        <p:strVal val="visible"/>
+                                      </p:to>
+                                    </p:set>
+                                  </p:childTnLst>
+                                </p:cTn>
+                              </p:par>
+                            </p:childTnLst>
+                          </p:cTn>
+                        </p:par>
+                      </p:childTnLst>
+                    </p:cTn>
+                  </p:par>
+                  <p:par>
+                    <p:cTn id="27" fill="hold">
+                      <p:stCondLst>
+                        <p:cond delay="indefinite"/>
+                      </p:stCondLst>
+                      <p:childTnLst>
+                        <p:par>
+                          <p:cTn id="28" fill="hold">
+                            <p:stCondLst>
+                              <p:cond delay="0"/>
+                            </p:stCondLst>
+                            <p:childTnLst>
+                              <p:par>
+                                <p:cTn id="29" presetID="1" presetClass="entr" presetSubtype="0" fill="hold" grpId="0" nodeType="clickEffect">
+                                  <p:stCondLst>
+                                    <p:cond delay="0"/>
+                                  </p:stCondLst>
+                                  <p:childTnLst>
+                                    <p:set>
+                                      <p:cBhvr>
+                                        <p:cTn id="30" dur="1" fill="hold">
+                                          <p:stCondLst>
+                                            <p:cond delay="0"/>
+                                          </p:stCondLst>
+                                        </p:cTn>
+                                        <p:tgtEl>
+                                          <p:spTgt spid="3">
+                                            <p:txEl>
+                                              <p:pRg st="8" end="8"/>
+                                            </p:txEl>
+                                          </p:spTgt>
+                                        </p:tgtEl>
+                                        <p:attrNameLst>
+                                          <p:attrName>style.visibility</p:attrName>
+                                        </p:attrNameLst>
+                                      </p:cBhvr>
+                                      <p:to>
+                                        <p:strVal val="visible"/>
+                                      </p:to>
+                                    </p:set>
+                                  </p:childTnLst>
+                                </p:cTn>
+                              </p:par>
+                            </p:childTnLst>
+                          </p:cTn>
+                        </p:par>
+                      </p:childTnLst>
+                    </p:cTn>
+                  </p:par>
+                </p:childTnLst>
+              </p:cTn>
+              <p:prevCondLst>
+                <p:cond evt="onPrev" delay="0">
+                  <p:tgtEl>
+                    <p:sldTgt/>
+                  </p:tgtEl>
+                </p:cond>
+              </p:prevCondLst>
+              <p:nextCondLst>
+                <p:cond evt="onNext" delay="0">
+                  <p:tgtEl>
+                    <p:sldTgt/>
+                  </p:tgtEl>
+                </p:cond>
+              </p:nextCondLst>
+            </p:seq>
+          </p:childTnLst>
+        </p:cTn>
+      </p:par>
+    </p:tnLst>
+    <p:bldLst>
+      <p:bldP spid="3" grpId="0" build="p"/>
+    </p:bldLst>
+  </p:timing>
 </p:sld>
 </file>
 
@@ -6586,7 +7731,7 @@
           <p:cNvPr id="2" name="Title 1">
             <a:extLst>
               <a:ext uri="{FF2B5EF4-FFF2-40B4-BE49-F238E27FC236}">
-                <a16:creationId xmlns:a16="http://schemas.microsoft.com/office/drawing/2014/main" id="{6ED6C579-3AE1-385E-B13A-F32CA337EF0B}"/>
+                <a16:creationId xmlns:a16="http://schemas.microsoft.com/office/drawing/2014/main" id="{0155B6C6-80E1-2332-FF91-EFC6C9279C98}"/>
               </a:ext>
             </a:extLst>
           </p:cNvPr>
@@ -6604,7 +7749,7 @@
           <a:p>
             <a:r>
               <a:rPr lang="en-KW" dirty="0"/>
-              <a:t>Coding</a:t>
+              <a:t>Separable Dataset Example</a:t>
             </a:r>
           </a:p>
         </p:txBody>
@@ -6614,7 +7759,7 @@
           <p:cNvPr id="3" name="Content Placeholder 2">
             <a:extLst>
               <a:ext uri="{FF2B5EF4-FFF2-40B4-BE49-F238E27FC236}">
-                <a16:creationId xmlns:a16="http://schemas.microsoft.com/office/drawing/2014/main" id="{D2AAE37E-50B3-DD2F-83D9-D2C97D23793D}"/>
+                <a16:creationId xmlns:a16="http://schemas.microsoft.com/office/drawing/2014/main" id="{EE654DA8-9AA5-1902-D554-344BE9932F00}"/>
               </a:ext>
             </a:extLst>
           </p:cNvPr>
@@ -6625,6 +7770,137 @@
             <p:ph idx="1"/>
           </p:nvPr>
         </p:nvSpPr>
+        <p:spPr>
+          <a:xfrm>
+            <a:off x="838200" y="1825625"/>
+            <a:ext cx="5443847" cy="4351338"/>
+          </a:xfrm>
+        </p:spPr>
+        <p:txBody>
+          <a:bodyPr/>
+          <a:lstStyle/>
+          <a:p>
+            <a:r>
+              <a:rPr lang="en-KW" dirty="0"/>
+              <a:t>Color indicates the probability that the point is blue</a:t>
+            </a:r>
+          </a:p>
+          <a:p>
+            <a:r>
+              <a:rPr lang="en-KW" dirty="0"/>
+              <a:t>Model is most uncertain in the middle</a:t>
+            </a:r>
+          </a:p>
+          <a:p>
+            <a:endParaRPr lang="en-KW" dirty="0"/>
+          </a:p>
+          <a:p>
+            <a:pPr marL="0" indent="0">
+              <a:buNone/>
+            </a:pPr>
+            <a:r>
+              <a:rPr lang="en-KW" dirty="0">
+                <a:solidFill>
+                  <a:srgbClr val="7030A0"/>
+                </a:solidFill>
+              </a:rPr>
+              <a:t>Accuracy = 99.5%</a:t>
+            </a:r>
+          </a:p>
+          <a:p>
+            <a:pPr marL="0" indent="0">
+              <a:buNone/>
+            </a:pPr>
+            <a:r>
+              <a:rPr lang="en-KW" dirty="0">
+                <a:solidFill>
+                  <a:srgbClr val="7030A0"/>
+                </a:solidFill>
+              </a:rPr>
+              <a:t>(Proportion of dataset that was correctly predicted)</a:t>
+            </a:r>
+          </a:p>
+          <a:p>
+            <a:endParaRPr lang="en-KW" dirty="0"/>
+          </a:p>
+        </p:txBody>
+      </p:sp>
+      <p:pic>
+        <p:nvPicPr>
+          <p:cNvPr id="4" name="Picture 3">
+            <a:extLst>
+              <a:ext uri="{FF2B5EF4-FFF2-40B4-BE49-F238E27FC236}">
+                <a16:creationId xmlns:a16="http://schemas.microsoft.com/office/drawing/2014/main" id="{4EBE58CD-7220-C81A-D3D1-E3A2EA2D7690}"/>
+              </a:ext>
+            </a:extLst>
+          </p:cNvPr>
+          <p:cNvPicPr>
+            <a:picLocks noChangeAspect="1"/>
+          </p:cNvPicPr>
+          <p:nvPr/>
+        </p:nvPicPr>
+        <p:blipFill>
+          <a:blip r:embed="rId2"/>
+          <a:stretch>
+            <a:fillRect/>
+          </a:stretch>
+        </p:blipFill>
+        <p:spPr>
+          <a:xfrm>
+            <a:off x="6282047" y="1690688"/>
+            <a:ext cx="4920672" cy="4351338"/>
+          </a:xfrm>
+          <a:prstGeom prst="rect">
+            <a:avLst/>
+          </a:prstGeom>
+        </p:spPr>
+      </p:pic>
+    </p:spTree>
+    <p:extLst>
+      <p:ext uri="{BB962C8B-B14F-4D97-AF65-F5344CB8AC3E}">
+        <p14:creationId xmlns:p14="http://schemas.microsoft.com/office/powerpoint/2010/main" val="3391378279"/>
+      </p:ext>
+    </p:extLst>
+  </p:cSld>
+  <p:clrMapOvr>
+    <a:masterClrMapping/>
+  </p:clrMapOvr>
+</p:sld>
+</file>
+
+<file path=ppt/slides/slide7.xml><?xml version="1.0" encoding="utf-8"?>
+<p:sld xmlns:a="http://schemas.openxmlformats.org/drawingml/2006/main" xmlns:r="http://schemas.openxmlformats.org/officeDocument/2006/relationships" xmlns:p="http://schemas.openxmlformats.org/presentationml/2006/main">
+  <p:cSld>
+    <p:spTree>
+      <p:nvGrpSpPr>
+        <p:cNvPr id="1" name=""/>
+        <p:cNvGrpSpPr/>
+        <p:nvPr/>
+      </p:nvGrpSpPr>
+      <p:grpSpPr>
+        <a:xfrm>
+          <a:off x="0" y="0"/>
+          <a:ext cx="0" cy="0"/>
+          <a:chOff x="0" y="0"/>
+          <a:chExt cx="0" cy="0"/>
+        </a:xfrm>
+      </p:grpSpPr>
+      <p:sp>
+        <p:nvSpPr>
+          <p:cNvPr id="2" name="Title 1">
+            <a:extLst>
+              <a:ext uri="{FF2B5EF4-FFF2-40B4-BE49-F238E27FC236}">
+                <a16:creationId xmlns:a16="http://schemas.microsoft.com/office/drawing/2014/main" id="{EE4BAF17-405D-3CDA-E837-544665FBC161}"/>
+              </a:ext>
+            </a:extLst>
+          </p:cNvPr>
+          <p:cNvSpPr>
+            <a:spLocks noGrp="1"/>
+          </p:cNvSpPr>
+          <p:nvPr>
+            <p:ph type="title"/>
+          </p:nvPr>
+        </p:nvSpPr>
         <p:spPr/>
         <p:txBody>
           <a:bodyPr/>
@@ -6632,19 +7908,174 @@
           <a:p>
             <a:r>
               <a:rPr lang="en-KW" dirty="0"/>
-              <a:t>Implement linear binary classification with JAX</a:t>
-            </a:r>
-          </a:p>
+              <a:t>Can Logistic Regression Handle This?</a:t>
+            </a:r>
+          </a:p>
+        </p:txBody>
+      </p:sp>
+      <p:pic>
+        <p:nvPicPr>
+          <p:cNvPr id="5" name="Content Placeholder 4">
+            <a:extLst>
+              <a:ext uri="{FF2B5EF4-FFF2-40B4-BE49-F238E27FC236}">
+                <a16:creationId xmlns:a16="http://schemas.microsoft.com/office/drawing/2014/main" id="{E186740B-137B-7176-3A53-B25886A27623}"/>
+              </a:ext>
+            </a:extLst>
+          </p:cNvPr>
+          <p:cNvPicPr>
+            <a:picLocks noGrp="1" noChangeAspect="1"/>
+          </p:cNvPicPr>
+          <p:nvPr>
+            <p:ph idx="1"/>
+          </p:nvPr>
+        </p:nvPicPr>
+        <p:blipFill>
+          <a:blip r:embed="rId2">
+            <a:extLst>
+              <a:ext uri="{96DAC541-7B7A-43D3-8B79-37D633B846F1}">
+                <asvg:svgBlip xmlns:asvg="http://schemas.microsoft.com/office/drawing/2016/SVG/main" r:embed="rId3"/>
+              </a:ext>
+            </a:extLst>
+          </a:blip>
+          <a:stretch>
+            <a:fillRect/>
+          </a:stretch>
+        </p:blipFill>
+        <p:spPr>
+          <a:xfrm>
+            <a:off x="3855170" y="1825625"/>
+            <a:ext cx="4481660" cy="4351338"/>
+          </a:xfrm>
+        </p:spPr>
+      </p:pic>
+    </p:spTree>
+    <p:extLst>
+      <p:ext uri="{BB962C8B-B14F-4D97-AF65-F5344CB8AC3E}">
+        <p14:creationId xmlns:p14="http://schemas.microsoft.com/office/powerpoint/2010/main" val="194016264"/>
+      </p:ext>
+    </p:extLst>
+  </p:cSld>
+  <p:clrMapOvr>
+    <a:masterClrMapping/>
+  </p:clrMapOvr>
+</p:sld>
+</file>
+
+<file path=ppt/slides/slide8.xml><?xml version="1.0" encoding="utf-8"?>
+<p:sld xmlns:a="http://schemas.openxmlformats.org/drawingml/2006/main" xmlns:r="http://schemas.openxmlformats.org/officeDocument/2006/relationships" xmlns:p="http://schemas.openxmlformats.org/presentationml/2006/main">
+  <p:cSld>
+    <p:spTree>
+      <p:nvGrpSpPr>
+        <p:cNvPr id="1" name=""/>
+        <p:cNvGrpSpPr/>
+        <p:nvPr/>
+      </p:nvGrpSpPr>
+      <p:grpSpPr>
+        <a:xfrm>
+          <a:off x="0" y="0"/>
+          <a:ext cx="0" cy="0"/>
+          <a:chOff x="0" y="0"/>
+          <a:chExt cx="0" cy="0"/>
+        </a:xfrm>
+      </p:grpSpPr>
+      <p:sp>
+        <p:nvSpPr>
+          <p:cNvPr id="2" name="Title 1">
+            <a:extLst>
+              <a:ext uri="{FF2B5EF4-FFF2-40B4-BE49-F238E27FC236}">
+                <a16:creationId xmlns:a16="http://schemas.microsoft.com/office/drawing/2014/main" id="{8DBF723C-F248-4269-D3E6-3EC4A2D9EAE1}"/>
+              </a:ext>
+            </a:extLst>
+          </p:cNvPr>
+          <p:cNvSpPr>
+            <a:spLocks noGrp="1"/>
+          </p:cNvSpPr>
+          <p:nvPr>
+            <p:ph type="title"/>
+          </p:nvPr>
+        </p:nvSpPr>
+        <p:spPr/>
+        <p:txBody>
+          <a:bodyPr/>
+          <a:lstStyle/>
           <a:p>
             <a:r>
               <a:rPr lang="en-KW" dirty="0"/>
-              <a:t>Train model on two blobs dataset</a:t>
-            </a:r>
-          </a:p>
-          <a:p>
-            <a:r>
-              <a:rPr lang="en-KW" dirty="0"/>
-              <a:t>Plot the model fit</a:t>
+              <a:t>Can Logistic Regression Handle This?</a:t>
+            </a:r>
+          </a:p>
+        </p:txBody>
+      </p:sp>
+      <p:pic>
+        <p:nvPicPr>
+          <p:cNvPr id="5" name="Content Placeholder 4">
+            <a:extLst>
+              <a:ext uri="{FF2B5EF4-FFF2-40B4-BE49-F238E27FC236}">
+                <a16:creationId xmlns:a16="http://schemas.microsoft.com/office/drawing/2014/main" id="{4F9DA634-09FE-9415-C85F-EFC67685765A}"/>
+              </a:ext>
+            </a:extLst>
+          </p:cNvPr>
+          <p:cNvPicPr>
+            <a:picLocks noGrp="1" noChangeAspect="1"/>
+          </p:cNvPicPr>
+          <p:nvPr>
+            <p:ph idx="1"/>
+          </p:nvPr>
+        </p:nvPicPr>
+        <p:blipFill>
+          <a:blip r:embed="rId2">
+            <a:extLst>
+              <a:ext uri="{96DAC541-7B7A-43D3-8B79-37D633B846F1}">
+                <asvg:svgBlip xmlns:asvg="http://schemas.microsoft.com/office/drawing/2016/SVG/main" r:embed="rId3"/>
+              </a:ext>
+            </a:extLst>
+          </a:blip>
+          <a:stretch>
+            <a:fillRect/>
+          </a:stretch>
+        </p:blipFill>
+        <p:spPr>
+          <a:xfrm>
+            <a:off x="838200" y="2467769"/>
+            <a:ext cx="10515600" cy="3067050"/>
+          </a:xfrm>
+        </p:spPr>
+      </p:pic>
+      <p:sp>
+        <p:nvSpPr>
+          <p:cNvPr id="6" name="TextBox 5">
+            <a:extLst>
+              <a:ext uri="{FF2B5EF4-FFF2-40B4-BE49-F238E27FC236}">
+                <a16:creationId xmlns:a16="http://schemas.microsoft.com/office/drawing/2014/main" id="{EC66D33C-EAF6-4FBC-F732-F35A42B547B8}"/>
+              </a:ext>
+            </a:extLst>
+          </p:cNvPr>
+          <p:cNvSpPr txBox="1"/>
+          <p:nvPr/>
+        </p:nvSpPr>
+        <p:spPr>
+          <a:xfrm>
+            <a:off x="2477605" y="5788680"/>
+            <a:ext cx="7236789" cy="523220"/>
+          </a:xfrm>
+          <a:prstGeom prst="rect">
+            <a:avLst/>
+          </a:prstGeom>
+          <a:noFill/>
+        </p:spPr>
+        <p:txBody>
+          <a:bodyPr wrap="none" rtlCol="0">
+            <a:spAutoFit/>
+          </a:bodyPr>
+          <a:lstStyle/>
+          <a:p>
+            <a:r>
+              <a:rPr lang="en-KW" sz="2800" b="1" dirty="0">
+                <a:solidFill>
+                  <a:srgbClr val="FF0000"/>
+                </a:solidFill>
+              </a:rPr>
+              <a:t>No line can neatly separate the two classes</a:t>
             </a:r>
           </a:p>
         </p:txBody>
@@ -6652,7 +8083,164 @@
     </p:spTree>
     <p:extLst>
       <p:ext uri="{BB962C8B-B14F-4D97-AF65-F5344CB8AC3E}">
-        <p14:creationId xmlns:p14="http://schemas.microsoft.com/office/powerpoint/2010/main" val="1760064608"/>
+        <p14:creationId xmlns:p14="http://schemas.microsoft.com/office/powerpoint/2010/main" val="4201577109"/>
+      </p:ext>
+    </p:extLst>
+  </p:cSld>
+  <p:clrMapOvr>
+    <a:masterClrMapping/>
+  </p:clrMapOvr>
+</p:sld>
+</file>
+
+<file path=ppt/slides/slide9.xml><?xml version="1.0" encoding="utf-8"?>
+<p:sld xmlns:a="http://schemas.openxmlformats.org/drawingml/2006/main" xmlns:r="http://schemas.openxmlformats.org/officeDocument/2006/relationships" xmlns:p="http://schemas.openxmlformats.org/presentationml/2006/main">
+  <p:cSld>
+    <p:spTree>
+      <p:nvGrpSpPr>
+        <p:cNvPr id="1" name=""/>
+        <p:cNvGrpSpPr/>
+        <p:nvPr/>
+      </p:nvGrpSpPr>
+      <p:grpSpPr>
+        <a:xfrm>
+          <a:off x="0" y="0"/>
+          <a:ext cx="0" cy="0"/>
+          <a:chOff x="0" y="0"/>
+          <a:chExt cx="0" cy="0"/>
+        </a:xfrm>
+      </p:grpSpPr>
+      <p:sp>
+        <p:nvSpPr>
+          <p:cNvPr id="2" name="Title 1">
+            <a:extLst>
+              <a:ext uri="{FF2B5EF4-FFF2-40B4-BE49-F238E27FC236}">
+                <a16:creationId xmlns:a16="http://schemas.microsoft.com/office/drawing/2014/main" id="{731A8859-3C27-1F3D-F8E2-E883CFDF13BE}"/>
+              </a:ext>
+            </a:extLst>
+          </p:cNvPr>
+          <p:cNvSpPr>
+            <a:spLocks noGrp="1"/>
+          </p:cNvSpPr>
+          <p:nvPr>
+            <p:ph type="title"/>
+          </p:nvPr>
+        </p:nvSpPr>
+        <p:spPr/>
+        <p:txBody>
+          <a:bodyPr/>
+          <a:lstStyle/>
+          <a:p>
+            <a:r>
+              <a:rPr lang="en-KW"/>
+              <a:t>Non-Separable Dataset Example</a:t>
+            </a:r>
+            <a:endParaRPr lang="en-KW" dirty="0"/>
+          </a:p>
+        </p:txBody>
+      </p:sp>
+      <p:sp>
+        <p:nvSpPr>
+          <p:cNvPr id="3" name="Content Placeholder 2">
+            <a:extLst>
+              <a:ext uri="{FF2B5EF4-FFF2-40B4-BE49-F238E27FC236}">
+                <a16:creationId xmlns:a16="http://schemas.microsoft.com/office/drawing/2014/main" id="{EA2FF284-E8BE-F774-4516-08C2DA263A5B}"/>
+              </a:ext>
+            </a:extLst>
+          </p:cNvPr>
+          <p:cNvSpPr>
+            <a:spLocks noGrp="1"/>
+          </p:cNvSpPr>
+          <p:nvPr>
+            <p:ph idx="1"/>
+          </p:nvPr>
+        </p:nvSpPr>
+        <p:spPr>
+          <a:xfrm>
+            <a:off x="6472051" y="1825625"/>
+            <a:ext cx="4881747" cy="4351338"/>
+          </a:xfrm>
+        </p:spPr>
+        <p:txBody>
+          <a:bodyPr/>
+          <a:lstStyle/>
+          <a:p>
+            <a:pPr marL="0" indent="0">
+              <a:buNone/>
+            </a:pPr>
+            <a:r>
+              <a:rPr lang="en-KW" dirty="0"/>
+              <a:t>Model can’t find a way to properly separate the classes</a:t>
+            </a:r>
+          </a:p>
+          <a:p>
+            <a:pPr marL="0" indent="0">
+              <a:buNone/>
+            </a:pPr>
+            <a:endParaRPr lang="en-KW" dirty="0"/>
+          </a:p>
+          <a:p>
+            <a:pPr marL="0" indent="0">
+              <a:buNone/>
+            </a:pPr>
+            <a:r>
+              <a:rPr lang="en-KW" dirty="0">
+                <a:solidFill>
+                  <a:srgbClr val="7030A0"/>
+                </a:solidFill>
+              </a:rPr>
+              <a:t>Accuracy </a:t>
+            </a:r>
+            <a:r>
+              <a:rPr lang="en-KW">
+                <a:solidFill>
+                  <a:srgbClr val="7030A0"/>
+                </a:solidFill>
+              </a:rPr>
+              <a:t>= 55.4%</a:t>
+            </a:r>
+            <a:endParaRPr lang="en-KW" dirty="0">
+              <a:solidFill>
+                <a:srgbClr val="7030A0"/>
+              </a:solidFill>
+            </a:endParaRPr>
+          </a:p>
+        </p:txBody>
+      </p:sp>
+      <p:pic>
+        <p:nvPicPr>
+          <p:cNvPr id="4" name="Picture 3">
+            <a:extLst>
+              <a:ext uri="{FF2B5EF4-FFF2-40B4-BE49-F238E27FC236}">
+                <a16:creationId xmlns:a16="http://schemas.microsoft.com/office/drawing/2014/main" id="{A2BFF21E-9650-76EA-F5F7-9CE3DBB5F33D}"/>
+              </a:ext>
+            </a:extLst>
+          </p:cNvPr>
+          <p:cNvPicPr>
+            <a:picLocks noChangeAspect="1"/>
+          </p:cNvPicPr>
+          <p:nvPr/>
+        </p:nvPicPr>
+        <p:blipFill>
+          <a:blip r:embed="rId2"/>
+          <a:stretch>
+            <a:fillRect/>
+          </a:stretch>
+        </p:blipFill>
+        <p:spPr>
+          <a:xfrm>
+            <a:off x="838200" y="1690688"/>
+            <a:ext cx="5357839" cy="4351338"/>
+          </a:xfrm>
+          <a:prstGeom prst="rect">
+            <a:avLst/>
+          </a:prstGeom>
+        </p:spPr>
+      </p:pic>
+    </p:spTree>
+    <p:extLst>
+      <p:ext uri="{BB962C8B-B14F-4D97-AF65-F5344CB8AC3E}">
+        <p14:creationId xmlns:p14="http://schemas.microsoft.com/office/powerpoint/2010/main" val="3550949464"/>
       </p:ext>
     </p:extLst>
   </p:cSld>
